--- a/ppt 16-9/1338.在神的院宇里.pptx
+++ b/ppt 16-9/1338.在神的院宇里.pptx
@@ -5,7 +5,7 @@
     <p:sldMasterId id="2147483648" r:id="rId1"/>
   </p:sldMasterIdLst>
   <p:sldIdLst>
-    <p:sldId id="895" r:id="rId2"/>
+    <p:sldId id="897" r:id="rId2"/>
   </p:sldIdLst>
   <p:sldSz cx="12192000" cy="6858000"/>
   <p:notesSz cx="6858000" cy="9144000"/>
@@ -129,7 +129,7 @@
           <p:cNvPr id="2" name="标题 1">
             <a:extLst>
               <a:ext uri="{FF2B5EF4-FFF2-40B4-BE49-F238E27FC236}">
-                <a16:creationId xmlns:a16="http://schemas.microsoft.com/office/drawing/2014/main" id="{398C8F43-7DE0-8D83-354E-5A813A401B7B}"/>
+                <a16:creationId xmlns:a16="http://schemas.microsoft.com/office/drawing/2014/main" id="{8BBFE922-2ACB-545B-76CB-425F3DDC210E}"/>
               </a:ext>
             </a:extLst>
           </p:cNvPr>
@@ -166,7 +166,7 @@
           <p:cNvPr id="3" name="副标题 2">
             <a:extLst>
               <a:ext uri="{FF2B5EF4-FFF2-40B4-BE49-F238E27FC236}">
-                <a16:creationId xmlns:a16="http://schemas.microsoft.com/office/drawing/2014/main" id="{6EF11172-9BF1-C4B6-C80C-98E710A669DB}"/>
+                <a16:creationId xmlns:a16="http://schemas.microsoft.com/office/drawing/2014/main" id="{90A71DF7-551A-F4C2-28F1-85825992F602}"/>
               </a:ext>
             </a:extLst>
           </p:cNvPr>
@@ -236,7 +236,7 @@
           <p:cNvPr id="4" name="日期占位符 3">
             <a:extLst>
               <a:ext uri="{FF2B5EF4-FFF2-40B4-BE49-F238E27FC236}">
-                <a16:creationId xmlns:a16="http://schemas.microsoft.com/office/drawing/2014/main" id="{693105D7-DEAA-DB08-8753-DC7F025E0458}"/>
+                <a16:creationId xmlns:a16="http://schemas.microsoft.com/office/drawing/2014/main" id="{8C45C293-5EA3-9CF0-A0E1-50FAC370C967}"/>
               </a:ext>
             </a:extLst>
           </p:cNvPr>
@@ -252,7 +252,7 @@
           <a:bodyPr/>
           <a:lstStyle/>
           <a:p>
-            <a:fld id="{4AE629E0-D881-4C56-B0F2-448E1EC38A5F}" type="datetimeFigureOut">
+            <a:fld id="{F38E459A-4209-4724-B8D3-37599E1ADBAD}" type="datetimeFigureOut">
               <a:rPr lang="zh-CN" altLang="en-US" smtClean="0"/>
               <a:t>2024/3/10</a:t>
             </a:fld>
@@ -265,7 +265,7 @@
           <p:cNvPr id="5" name="页脚占位符 4">
             <a:extLst>
               <a:ext uri="{FF2B5EF4-FFF2-40B4-BE49-F238E27FC236}">
-                <a16:creationId xmlns:a16="http://schemas.microsoft.com/office/drawing/2014/main" id="{78FEBD4B-540C-0762-B05A-51BFD0A4FF22}"/>
+                <a16:creationId xmlns:a16="http://schemas.microsoft.com/office/drawing/2014/main" id="{BBACDA5C-27AF-8A8D-C923-9731DE462ED8}"/>
               </a:ext>
             </a:extLst>
           </p:cNvPr>
@@ -290,7 +290,7 @@
           <p:cNvPr id="6" name="灯片编号占位符 5">
             <a:extLst>
               <a:ext uri="{FF2B5EF4-FFF2-40B4-BE49-F238E27FC236}">
-                <a16:creationId xmlns:a16="http://schemas.microsoft.com/office/drawing/2014/main" id="{FAB5FCDE-01DB-9AA2-CC4D-79AB0D087204}"/>
+                <a16:creationId xmlns:a16="http://schemas.microsoft.com/office/drawing/2014/main" id="{9547984F-51D5-5451-F181-F6B833C52F3C}"/>
               </a:ext>
             </a:extLst>
           </p:cNvPr>
@@ -306,7 +306,7 @@
           <a:bodyPr/>
           <a:lstStyle/>
           <a:p>
-            <a:fld id="{0B7FDB28-F1CD-4FD4-B20D-EB4C614401AF}" type="slidenum">
+            <a:fld id="{4C8C6AA8-6B41-46D5-90E6-B68D0286953F}" type="slidenum">
               <a:rPr lang="zh-CN" altLang="en-US" smtClean="0"/>
               <a:t>‹#›</a:t>
             </a:fld>
@@ -317,7 +317,7 @@
     </p:spTree>
     <p:extLst>
       <p:ext uri="{BB962C8B-B14F-4D97-AF65-F5344CB8AC3E}">
-        <p14:creationId xmlns:p14="http://schemas.microsoft.com/office/powerpoint/2010/main" val="3478451252"/>
+        <p14:creationId xmlns:p14="http://schemas.microsoft.com/office/powerpoint/2010/main" val="217384039"/>
       </p:ext>
     </p:extLst>
   </p:cSld>
@@ -349,7 +349,7 @@
           <p:cNvPr id="2" name="标题 1">
             <a:extLst>
               <a:ext uri="{FF2B5EF4-FFF2-40B4-BE49-F238E27FC236}">
-                <a16:creationId xmlns:a16="http://schemas.microsoft.com/office/drawing/2014/main" id="{75B773E2-F13B-D775-0186-21810B5C0876}"/>
+                <a16:creationId xmlns:a16="http://schemas.microsoft.com/office/drawing/2014/main" id="{85FE5F83-C37B-D789-0E99-0846C91303AE}"/>
               </a:ext>
             </a:extLst>
           </p:cNvPr>
@@ -377,7 +377,7 @@
           <p:cNvPr id="3" name="竖排文字占位符 2">
             <a:extLst>
               <a:ext uri="{FF2B5EF4-FFF2-40B4-BE49-F238E27FC236}">
-                <a16:creationId xmlns:a16="http://schemas.microsoft.com/office/drawing/2014/main" id="{55B0D14B-FB52-6ABA-1271-52AE0FB9208E}"/>
+                <a16:creationId xmlns:a16="http://schemas.microsoft.com/office/drawing/2014/main" id="{880C1B03-E3CC-C10F-82D2-4E010D5F2859}"/>
               </a:ext>
             </a:extLst>
           </p:cNvPr>
@@ -434,7 +434,7 @@
           <p:cNvPr id="4" name="日期占位符 3">
             <a:extLst>
               <a:ext uri="{FF2B5EF4-FFF2-40B4-BE49-F238E27FC236}">
-                <a16:creationId xmlns:a16="http://schemas.microsoft.com/office/drawing/2014/main" id="{5FF92BDF-CCC6-35D8-73ED-E56360A74D9B}"/>
+                <a16:creationId xmlns:a16="http://schemas.microsoft.com/office/drawing/2014/main" id="{2894D0E1-FBB1-E4BB-3925-C82CF341D097}"/>
               </a:ext>
             </a:extLst>
           </p:cNvPr>
@@ -450,7 +450,7 @@
           <a:bodyPr/>
           <a:lstStyle/>
           <a:p>
-            <a:fld id="{4AE629E0-D881-4C56-B0F2-448E1EC38A5F}" type="datetimeFigureOut">
+            <a:fld id="{F38E459A-4209-4724-B8D3-37599E1ADBAD}" type="datetimeFigureOut">
               <a:rPr lang="zh-CN" altLang="en-US" smtClean="0"/>
               <a:t>2024/3/10</a:t>
             </a:fld>
@@ -463,7 +463,7 @@
           <p:cNvPr id="5" name="页脚占位符 4">
             <a:extLst>
               <a:ext uri="{FF2B5EF4-FFF2-40B4-BE49-F238E27FC236}">
-                <a16:creationId xmlns:a16="http://schemas.microsoft.com/office/drawing/2014/main" id="{4EAFE5EE-F10C-A498-9986-A831E7D6B26A}"/>
+                <a16:creationId xmlns:a16="http://schemas.microsoft.com/office/drawing/2014/main" id="{7A944CF2-F1BA-260E-E82F-3FA335810FA5}"/>
               </a:ext>
             </a:extLst>
           </p:cNvPr>
@@ -488,7 +488,7 @@
           <p:cNvPr id="6" name="灯片编号占位符 5">
             <a:extLst>
               <a:ext uri="{FF2B5EF4-FFF2-40B4-BE49-F238E27FC236}">
-                <a16:creationId xmlns:a16="http://schemas.microsoft.com/office/drawing/2014/main" id="{591B5109-4ECF-A462-964C-9D4F42A8F183}"/>
+                <a16:creationId xmlns:a16="http://schemas.microsoft.com/office/drawing/2014/main" id="{C6FE2A47-B78F-E72C-5773-E00115C3D6B4}"/>
               </a:ext>
             </a:extLst>
           </p:cNvPr>
@@ -504,7 +504,7 @@
           <a:bodyPr/>
           <a:lstStyle/>
           <a:p>
-            <a:fld id="{0B7FDB28-F1CD-4FD4-B20D-EB4C614401AF}" type="slidenum">
+            <a:fld id="{4C8C6AA8-6B41-46D5-90E6-B68D0286953F}" type="slidenum">
               <a:rPr lang="zh-CN" altLang="en-US" smtClean="0"/>
               <a:t>‹#›</a:t>
             </a:fld>
@@ -515,7 +515,7 @@
     </p:spTree>
     <p:extLst>
       <p:ext uri="{BB962C8B-B14F-4D97-AF65-F5344CB8AC3E}">
-        <p14:creationId xmlns:p14="http://schemas.microsoft.com/office/powerpoint/2010/main" val="706911000"/>
+        <p14:creationId xmlns:p14="http://schemas.microsoft.com/office/powerpoint/2010/main" val="938391247"/>
       </p:ext>
     </p:extLst>
   </p:cSld>
@@ -547,7 +547,7 @@
           <p:cNvPr id="2" name="竖排标题 1">
             <a:extLst>
               <a:ext uri="{FF2B5EF4-FFF2-40B4-BE49-F238E27FC236}">
-                <a16:creationId xmlns:a16="http://schemas.microsoft.com/office/drawing/2014/main" id="{B4D4CF7F-ACEF-2387-0862-06C8241F377F}"/>
+                <a16:creationId xmlns:a16="http://schemas.microsoft.com/office/drawing/2014/main" id="{B361A5E6-E4DD-69C4-8A23-F36909B3B2B9}"/>
               </a:ext>
             </a:extLst>
           </p:cNvPr>
@@ -580,7 +580,7 @@
           <p:cNvPr id="3" name="竖排文字占位符 2">
             <a:extLst>
               <a:ext uri="{FF2B5EF4-FFF2-40B4-BE49-F238E27FC236}">
-                <a16:creationId xmlns:a16="http://schemas.microsoft.com/office/drawing/2014/main" id="{DFD89CAC-71BA-CDAD-9134-46E3BB28FFBA}"/>
+                <a16:creationId xmlns:a16="http://schemas.microsoft.com/office/drawing/2014/main" id="{D79B1B97-CA73-B6CB-9452-997115C75B11}"/>
               </a:ext>
             </a:extLst>
           </p:cNvPr>
@@ -642,7 +642,7 @@
           <p:cNvPr id="4" name="日期占位符 3">
             <a:extLst>
               <a:ext uri="{FF2B5EF4-FFF2-40B4-BE49-F238E27FC236}">
-                <a16:creationId xmlns:a16="http://schemas.microsoft.com/office/drawing/2014/main" id="{791A646E-64B7-A1ED-FD08-0325B1C7F982}"/>
+                <a16:creationId xmlns:a16="http://schemas.microsoft.com/office/drawing/2014/main" id="{4B851CB5-EE07-3C72-72C6-AE14A47C5B4E}"/>
               </a:ext>
             </a:extLst>
           </p:cNvPr>
@@ -658,7 +658,7 @@
           <a:bodyPr/>
           <a:lstStyle/>
           <a:p>
-            <a:fld id="{4AE629E0-D881-4C56-B0F2-448E1EC38A5F}" type="datetimeFigureOut">
+            <a:fld id="{F38E459A-4209-4724-B8D3-37599E1ADBAD}" type="datetimeFigureOut">
               <a:rPr lang="zh-CN" altLang="en-US" smtClean="0"/>
               <a:t>2024/3/10</a:t>
             </a:fld>
@@ -671,7 +671,7 @@
           <p:cNvPr id="5" name="页脚占位符 4">
             <a:extLst>
               <a:ext uri="{FF2B5EF4-FFF2-40B4-BE49-F238E27FC236}">
-                <a16:creationId xmlns:a16="http://schemas.microsoft.com/office/drawing/2014/main" id="{8DC3F4FC-2A68-6E8B-880B-22699B38193C}"/>
+                <a16:creationId xmlns:a16="http://schemas.microsoft.com/office/drawing/2014/main" id="{95F3C38B-F1F5-62DD-E055-F1F5CE3B38AC}"/>
               </a:ext>
             </a:extLst>
           </p:cNvPr>
@@ -696,7 +696,7 @@
           <p:cNvPr id="6" name="灯片编号占位符 5">
             <a:extLst>
               <a:ext uri="{FF2B5EF4-FFF2-40B4-BE49-F238E27FC236}">
-                <a16:creationId xmlns:a16="http://schemas.microsoft.com/office/drawing/2014/main" id="{D815BE3D-F15D-E735-BE48-7B3AB609E75D}"/>
+                <a16:creationId xmlns:a16="http://schemas.microsoft.com/office/drawing/2014/main" id="{307BF3B7-4893-68CE-2BCB-BF8EE4F4F63E}"/>
               </a:ext>
             </a:extLst>
           </p:cNvPr>
@@ -712,7 +712,7 @@
           <a:bodyPr/>
           <a:lstStyle/>
           <a:p>
-            <a:fld id="{0B7FDB28-F1CD-4FD4-B20D-EB4C614401AF}" type="slidenum">
+            <a:fld id="{4C8C6AA8-6B41-46D5-90E6-B68D0286953F}" type="slidenum">
               <a:rPr lang="zh-CN" altLang="en-US" smtClean="0"/>
               <a:t>‹#›</a:t>
             </a:fld>
@@ -723,7 +723,7 @@
     </p:spTree>
     <p:extLst>
       <p:ext uri="{BB962C8B-B14F-4D97-AF65-F5344CB8AC3E}">
-        <p14:creationId xmlns:p14="http://schemas.microsoft.com/office/powerpoint/2010/main" val="1920881737"/>
+        <p14:creationId xmlns:p14="http://schemas.microsoft.com/office/powerpoint/2010/main" val="3885613880"/>
       </p:ext>
     </p:extLst>
   </p:cSld>
@@ -755,7 +755,7 @@
           <p:cNvPr id="2" name="标题 1">
             <a:extLst>
               <a:ext uri="{FF2B5EF4-FFF2-40B4-BE49-F238E27FC236}">
-                <a16:creationId xmlns:a16="http://schemas.microsoft.com/office/drawing/2014/main" id="{C18DF70C-90E8-A9E3-ADA9-55594BAC32EE}"/>
+                <a16:creationId xmlns:a16="http://schemas.microsoft.com/office/drawing/2014/main" id="{C08B4702-2AEF-42AD-B62D-3604DC833D0A}"/>
               </a:ext>
             </a:extLst>
           </p:cNvPr>
@@ -783,7 +783,7 @@
           <p:cNvPr id="3" name="内容占位符 2">
             <a:extLst>
               <a:ext uri="{FF2B5EF4-FFF2-40B4-BE49-F238E27FC236}">
-                <a16:creationId xmlns:a16="http://schemas.microsoft.com/office/drawing/2014/main" id="{0E27649E-A47C-F88C-148D-C77EF7DFF507}"/>
+                <a16:creationId xmlns:a16="http://schemas.microsoft.com/office/drawing/2014/main" id="{72B1D434-AE49-C2C2-D124-0522E52F09B1}"/>
               </a:ext>
             </a:extLst>
           </p:cNvPr>
@@ -840,7 +840,7 @@
           <p:cNvPr id="4" name="日期占位符 3">
             <a:extLst>
               <a:ext uri="{FF2B5EF4-FFF2-40B4-BE49-F238E27FC236}">
-                <a16:creationId xmlns:a16="http://schemas.microsoft.com/office/drawing/2014/main" id="{EA917CEA-5A63-4A8C-CE72-0147B2CFD0DE}"/>
+                <a16:creationId xmlns:a16="http://schemas.microsoft.com/office/drawing/2014/main" id="{714943B2-6144-2345-5779-EBD90B0ACA51}"/>
               </a:ext>
             </a:extLst>
           </p:cNvPr>
@@ -856,7 +856,7 @@
           <a:bodyPr/>
           <a:lstStyle/>
           <a:p>
-            <a:fld id="{4AE629E0-D881-4C56-B0F2-448E1EC38A5F}" type="datetimeFigureOut">
+            <a:fld id="{F38E459A-4209-4724-B8D3-37599E1ADBAD}" type="datetimeFigureOut">
               <a:rPr lang="zh-CN" altLang="en-US" smtClean="0"/>
               <a:t>2024/3/10</a:t>
             </a:fld>
@@ -869,7 +869,7 @@
           <p:cNvPr id="5" name="页脚占位符 4">
             <a:extLst>
               <a:ext uri="{FF2B5EF4-FFF2-40B4-BE49-F238E27FC236}">
-                <a16:creationId xmlns:a16="http://schemas.microsoft.com/office/drawing/2014/main" id="{3EA5110B-BCF8-B98F-CAEB-ECB089625FA3}"/>
+                <a16:creationId xmlns:a16="http://schemas.microsoft.com/office/drawing/2014/main" id="{1A750E18-FF41-58A6-FC75-07ACF2CB5AEB}"/>
               </a:ext>
             </a:extLst>
           </p:cNvPr>
@@ -894,7 +894,7 @@
           <p:cNvPr id="6" name="灯片编号占位符 5">
             <a:extLst>
               <a:ext uri="{FF2B5EF4-FFF2-40B4-BE49-F238E27FC236}">
-                <a16:creationId xmlns:a16="http://schemas.microsoft.com/office/drawing/2014/main" id="{90F68181-F998-FF1D-C586-4C1049D762F3}"/>
+                <a16:creationId xmlns:a16="http://schemas.microsoft.com/office/drawing/2014/main" id="{852EBB04-A278-C9E3-F43E-45C395609EEC}"/>
               </a:ext>
             </a:extLst>
           </p:cNvPr>
@@ -910,7 +910,7 @@
           <a:bodyPr/>
           <a:lstStyle/>
           <a:p>
-            <a:fld id="{0B7FDB28-F1CD-4FD4-B20D-EB4C614401AF}" type="slidenum">
+            <a:fld id="{4C8C6AA8-6B41-46D5-90E6-B68D0286953F}" type="slidenum">
               <a:rPr lang="zh-CN" altLang="en-US" smtClean="0"/>
               <a:t>‹#›</a:t>
             </a:fld>
@@ -921,7 +921,7 @@
     </p:spTree>
     <p:extLst>
       <p:ext uri="{BB962C8B-B14F-4D97-AF65-F5344CB8AC3E}">
-        <p14:creationId xmlns:p14="http://schemas.microsoft.com/office/powerpoint/2010/main" val="2360756334"/>
+        <p14:creationId xmlns:p14="http://schemas.microsoft.com/office/powerpoint/2010/main" val="3002999901"/>
       </p:ext>
     </p:extLst>
   </p:cSld>
@@ -953,7 +953,7 @@
           <p:cNvPr id="2" name="标题 1">
             <a:extLst>
               <a:ext uri="{FF2B5EF4-FFF2-40B4-BE49-F238E27FC236}">
-                <a16:creationId xmlns:a16="http://schemas.microsoft.com/office/drawing/2014/main" id="{E89331E9-E39E-BABB-8786-523679CE33ED}"/>
+                <a16:creationId xmlns:a16="http://schemas.microsoft.com/office/drawing/2014/main" id="{7D8137F1-D274-A448-286C-7FE5601F98F8}"/>
               </a:ext>
             </a:extLst>
           </p:cNvPr>
@@ -990,7 +990,7 @@
           <p:cNvPr id="3" name="文本占位符 2">
             <a:extLst>
               <a:ext uri="{FF2B5EF4-FFF2-40B4-BE49-F238E27FC236}">
-                <a16:creationId xmlns:a16="http://schemas.microsoft.com/office/drawing/2014/main" id="{3ADBA71F-0E73-661F-A5DA-F15089CC4BD3}"/>
+                <a16:creationId xmlns:a16="http://schemas.microsoft.com/office/drawing/2014/main" id="{19B7E635-D7C6-7330-C8F2-F068D470123B}"/>
               </a:ext>
             </a:extLst>
           </p:cNvPr>
@@ -1115,7 +1115,7 @@
           <p:cNvPr id="4" name="日期占位符 3">
             <a:extLst>
               <a:ext uri="{FF2B5EF4-FFF2-40B4-BE49-F238E27FC236}">
-                <a16:creationId xmlns:a16="http://schemas.microsoft.com/office/drawing/2014/main" id="{F90FDF4F-3BED-75A0-D69D-2B61609CA36E}"/>
+                <a16:creationId xmlns:a16="http://schemas.microsoft.com/office/drawing/2014/main" id="{160BC6B2-0ECC-A548-BBE0-5E3513D2ADCD}"/>
               </a:ext>
             </a:extLst>
           </p:cNvPr>
@@ -1131,7 +1131,7 @@
           <a:bodyPr/>
           <a:lstStyle/>
           <a:p>
-            <a:fld id="{4AE629E0-D881-4C56-B0F2-448E1EC38A5F}" type="datetimeFigureOut">
+            <a:fld id="{F38E459A-4209-4724-B8D3-37599E1ADBAD}" type="datetimeFigureOut">
               <a:rPr lang="zh-CN" altLang="en-US" smtClean="0"/>
               <a:t>2024/3/10</a:t>
             </a:fld>
@@ -1144,7 +1144,7 @@
           <p:cNvPr id="5" name="页脚占位符 4">
             <a:extLst>
               <a:ext uri="{FF2B5EF4-FFF2-40B4-BE49-F238E27FC236}">
-                <a16:creationId xmlns:a16="http://schemas.microsoft.com/office/drawing/2014/main" id="{30A94A9D-37C6-CE7A-6743-D0C9D2CD925A}"/>
+                <a16:creationId xmlns:a16="http://schemas.microsoft.com/office/drawing/2014/main" id="{0B434EB7-BEF0-13C4-6518-0A94A9E9E449}"/>
               </a:ext>
             </a:extLst>
           </p:cNvPr>
@@ -1169,7 +1169,7 @@
           <p:cNvPr id="6" name="灯片编号占位符 5">
             <a:extLst>
               <a:ext uri="{FF2B5EF4-FFF2-40B4-BE49-F238E27FC236}">
-                <a16:creationId xmlns:a16="http://schemas.microsoft.com/office/drawing/2014/main" id="{BC45694C-4232-B285-F92B-937AD29F132D}"/>
+                <a16:creationId xmlns:a16="http://schemas.microsoft.com/office/drawing/2014/main" id="{A6280F26-54BA-3137-EA7C-555AFDF3744A}"/>
               </a:ext>
             </a:extLst>
           </p:cNvPr>
@@ -1185,7 +1185,7 @@
           <a:bodyPr/>
           <a:lstStyle/>
           <a:p>
-            <a:fld id="{0B7FDB28-F1CD-4FD4-B20D-EB4C614401AF}" type="slidenum">
+            <a:fld id="{4C8C6AA8-6B41-46D5-90E6-B68D0286953F}" type="slidenum">
               <a:rPr lang="zh-CN" altLang="en-US" smtClean="0"/>
               <a:t>‹#›</a:t>
             </a:fld>
@@ -1196,7 +1196,7 @@
     </p:spTree>
     <p:extLst>
       <p:ext uri="{BB962C8B-B14F-4D97-AF65-F5344CB8AC3E}">
-        <p14:creationId xmlns:p14="http://schemas.microsoft.com/office/powerpoint/2010/main" val="2814841410"/>
+        <p14:creationId xmlns:p14="http://schemas.microsoft.com/office/powerpoint/2010/main" val="1111068291"/>
       </p:ext>
     </p:extLst>
   </p:cSld>
@@ -1228,7 +1228,7 @@
           <p:cNvPr id="2" name="标题 1">
             <a:extLst>
               <a:ext uri="{FF2B5EF4-FFF2-40B4-BE49-F238E27FC236}">
-                <a16:creationId xmlns:a16="http://schemas.microsoft.com/office/drawing/2014/main" id="{88F8CB60-1017-6133-F50A-C0577999832B}"/>
+                <a16:creationId xmlns:a16="http://schemas.microsoft.com/office/drawing/2014/main" id="{5D3D3AED-2485-D0FC-ED59-4F75543E430F}"/>
               </a:ext>
             </a:extLst>
           </p:cNvPr>
@@ -1256,7 +1256,7 @@
           <p:cNvPr id="3" name="内容占位符 2">
             <a:extLst>
               <a:ext uri="{FF2B5EF4-FFF2-40B4-BE49-F238E27FC236}">
-                <a16:creationId xmlns:a16="http://schemas.microsoft.com/office/drawing/2014/main" id="{F0D6636F-9DE6-F539-4E7D-B5658592937A}"/>
+                <a16:creationId xmlns:a16="http://schemas.microsoft.com/office/drawing/2014/main" id="{0F063D41-2ED0-631D-81EB-26378FA61C2A}"/>
               </a:ext>
             </a:extLst>
           </p:cNvPr>
@@ -1318,7 +1318,7 @@
           <p:cNvPr id="4" name="内容占位符 3">
             <a:extLst>
               <a:ext uri="{FF2B5EF4-FFF2-40B4-BE49-F238E27FC236}">
-                <a16:creationId xmlns:a16="http://schemas.microsoft.com/office/drawing/2014/main" id="{7894EEE1-6D00-336A-992C-34DC990E0EC6}"/>
+                <a16:creationId xmlns:a16="http://schemas.microsoft.com/office/drawing/2014/main" id="{EB77E58C-9AD0-9904-0F2E-C9603DF42A9A}"/>
               </a:ext>
             </a:extLst>
           </p:cNvPr>
@@ -1380,7 +1380,7 @@
           <p:cNvPr id="5" name="日期占位符 4">
             <a:extLst>
               <a:ext uri="{FF2B5EF4-FFF2-40B4-BE49-F238E27FC236}">
-                <a16:creationId xmlns:a16="http://schemas.microsoft.com/office/drawing/2014/main" id="{CE81C2D0-094D-1625-3032-68D35AD8D424}"/>
+                <a16:creationId xmlns:a16="http://schemas.microsoft.com/office/drawing/2014/main" id="{3E1750E7-B43A-6509-6A02-BDD7DC911C39}"/>
               </a:ext>
             </a:extLst>
           </p:cNvPr>
@@ -1396,7 +1396,7 @@
           <a:bodyPr/>
           <a:lstStyle/>
           <a:p>
-            <a:fld id="{4AE629E0-D881-4C56-B0F2-448E1EC38A5F}" type="datetimeFigureOut">
+            <a:fld id="{F38E459A-4209-4724-B8D3-37599E1ADBAD}" type="datetimeFigureOut">
               <a:rPr lang="zh-CN" altLang="en-US" smtClean="0"/>
               <a:t>2024/3/10</a:t>
             </a:fld>
@@ -1409,7 +1409,7 @@
           <p:cNvPr id="6" name="页脚占位符 5">
             <a:extLst>
               <a:ext uri="{FF2B5EF4-FFF2-40B4-BE49-F238E27FC236}">
-                <a16:creationId xmlns:a16="http://schemas.microsoft.com/office/drawing/2014/main" id="{2414AA94-05CE-BFBB-7237-A4BF2BE18168}"/>
+                <a16:creationId xmlns:a16="http://schemas.microsoft.com/office/drawing/2014/main" id="{91050F3A-68FC-4B75-975A-E59FA46204B6}"/>
               </a:ext>
             </a:extLst>
           </p:cNvPr>
@@ -1434,7 +1434,7 @@
           <p:cNvPr id="7" name="灯片编号占位符 6">
             <a:extLst>
               <a:ext uri="{FF2B5EF4-FFF2-40B4-BE49-F238E27FC236}">
-                <a16:creationId xmlns:a16="http://schemas.microsoft.com/office/drawing/2014/main" id="{A1BAD561-F27E-AC9E-96A3-BBA6C60EAA51}"/>
+                <a16:creationId xmlns:a16="http://schemas.microsoft.com/office/drawing/2014/main" id="{D97997B0-EFE4-3966-76FA-CA420AC90FFF}"/>
               </a:ext>
             </a:extLst>
           </p:cNvPr>
@@ -1450,7 +1450,7 @@
           <a:bodyPr/>
           <a:lstStyle/>
           <a:p>
-            <a:fld id="{0B7FDB28-F1CD-4FD4-B20D-EB4C614401AF}" type="slidenum">
+            <a:fld id="{4C8C6AA8-6B41-46D5-90E6-B68D0286953F}" type="slidenum">
               <a:rPr lang="zh-CN" altLang="en-US" smtClean="0"/>
               <a:t>‹#›</a:t>
             </a:fld>
@@ -1461,7 +1461,7 @@
     </p:spTree>
     <p:extLst>
       <p:ext uri="{BB962C8B-B14F-4D97-AF65-F5344CB8AC3E}">
-        <p14:creationId xmlns:p14="http://schemas.microsoft.com/office/powerpoint/2010/main" val="4027344700"/>
+        <p14:creationId xmlns:p14="http://schemas.microsoft.com/office/powerpoint/2010/main" val="2128633828"/>
       </p:ext>
     </p:extLst>
   </p:cSld>
@@ -1493,7 +1493,7 @@
           <p:cNvPr id="2" name="标题 1">
             <a:extLst>
               <a:ext uri="{FF2B5EF4-FFF2-40B4-BE49-F238E27FC236}">
-                <a16:creationId xmlns:a16="http://schemas.microsoft.com/office/drawing/2014/main" id="{5936B0A0-5480-7165-2365-41832453095A}"/>
+                <a16:creationId xmlns:a16="http://schemas.microsoft.com/office/drawing/2014/main" id="{334B5F48-5DF2-CC3D-EE9E-31A4E6205649}"/>
               </a:ext>
             </a:extLst>
           </p:cNvPr>
@@ -1526,7 +1526,7 @@
           <p:cNvPr id="3" name="文本占位符 2">
             <a:extLst>
               <a:ext uri="{FF2B5EF4-FFF2-40B4-BE49-F238E27FC236}">
-                <a16:creationId xmlns:a16="http://schemas.microsoft.com/office/drawing/2014/main" id="{6AF7C21F-52AE-F45E-0D74-E9CF7ACEC652}"/>
+                <a16:creationId xmlns:a16="http://schemas.microsoft.com/office/drawing/2014/main" id="{AF9C7095-BC68-4FA7-1CA8-187993946C53}"/>
               </a:ext>
             </a:extLst>
           </p:cNvPr>
@@ -1597,7 +1597,7 @@
           <p:cNvPr id="4" name="内容占位符 3">
             <a:extLst>
               <a:ext uri="{FF2B5EF4-FFF2-40B4-BE49-F238E27FC236}">
-                <a16:creationId xmlns:a16="http://schemas.microsoft.com/office/drawing/2014/main" id="{43069A20-E3B6-4A05-79F6-542FDD747908}"/>
+                <a16:creationId xmlns:a16="http://schemas.microsoft.com/office/drawing/2014/main" id="{858C2845-E662-D651-A5C6-C82B193E29EA}"/>
               </a:ext>
             </a:extLst>
           </p:cNvPr>
@@ -1659,7 +1659,7 @@
           <p:cNvPr id="5" name="文本占位符 4">
             <a:extLst>
               <a:ext uri="{FF2B5EF4-FFF2-40B4-BE49-F238E27FC236}">
-                <a16:creationId xmlns:a16="http://schemas.microsoft.com/office/drawing/2014/main" id="{A1356CE2-1934-FF66-AF22-27EE31237D17}"/>
+                <a16:creationId xmlns:a16="http://schemas.microsoft.com/office/drawing/2014/main" id="{AC9237A6-15C0-00D0-740A-FBD0BEA68D3D}"/>
               </a:ext>
             </a:extLst>
           </p:cNvPr>
@@ -1730,7 +1730,7 @@
           <p:cNvPr id="6" name="内容占位符 5">
             <a:extLst>
               <a:ext uri="{FF2B5EF4-FFF2-40B4-BE49-F238E27FC236}">
-                <a16:creationId xmlns:a16="http://schemas.microsoft.com/office/drawing/2014/main" id="{E4BF6900-2CC1-9F8C-0E2A-74D6CD41BB1A}"/>
+                <a16:creationId xmlns:a16="http://schemas.microsoft.com/office/drawing/2014/main" id="{A08D1BB4-5C80-C361-CFC4-C09C1B1938FE}"/>
               </a:ext>
             </a:extLst>
           </p:cNvPr>
@@ -1792,7 +1792,7 @@
           <p:cNvPr id="7" name="日期占位符 6">
             <a:extLst>
               <a:ext uri="{FF2B5EF4-FFF2-40B4-BE49-F238E27FC236}">
-                <a16:creationId xmlns:a16="http://schemas.microsoft.com/office/drawing/2014/main" id="{AB6A6E6D-8D56-B264-D1A4-500D7E5BBFE3}"/>
+                <a16:creationId xmlns:a16="http://schemas.microsoft.com/office/drawing/2014/main" id="{1E125862-BA36-9281-F737-5614860E6C77}"/>
               </a:ext>
             </a:extLst>
           </p:cNvPr>
@@ -1808,7 +1808,7 @@
           <a:bodyPr/>
           <a:lstStyle/>
           <a:p>
-            <a:fld id="{4AE629E0-D881-4C56-B0F2-448E1EC38A5F}" type="datetimeFigureOut">
+            <a:fld id="{F38E459A-4209-4724-B8D3-37599E1ADBAD}" type="datetimeFigureOut">
               <a:rPr lang="zh-CN" altLang="en-US" smtClean="0"/>
               <a:t>2024/3/10</a:t>
             </a:fld>
@@ -1821,7 +1821,7 @@
           <p:cNvPr id="8" name="页脚占位符 7">
             <a:extLst>
               <a:ext uri="{FF2B5EF4-FFF2-40B4-BE49-F238E27FC236}">
-                <a16:creationId xmlns:a16="http://schemas.microsoft.com/office/drawing/2014/main" id="{4B298D3B-DA38-7D85-329A-63E2659EA4EE}"/>
+                <a16:creationId xmlns:a16="http://schemas.microsoft.com/office/drawing/2014/main" id="{52DB6306-913E-E7DD-A01B-A0A3F66F2E87}"/>
               </a:ext>
             </a:extLst>
           </p:cNvPr>
@@ -1846,7 +1846,7 @@
           <p:cNvPr id="9" name="灯片编号占位符 8">
             <a:extLst>
               <a:ext uri="{FF2B5EF4-FFF2-40B4-BE49-F238E27FC236}">
-                <a16:creationId xmlns:a16="http://schemas.microsoft.com/office/drawing/2014/main" id="{8C1A98E2-C2D4-13C3-0C7E-A6CFEC869032}"/>
+                <a16:creationId xmlns:a16="http://schemas.microsoft.com/office/drawing/2014/main" id="{3236433E-A349-CA8A-14F0-4CA9F73863DC}"/>
               </a:ext>
             </a:extLst>
           </p:cNvPr>
@@ -1862,7 +1862,7 @@
           <a:bodyPr/>
           <a:lstStyle/>
           <a:p>
-            <a:fld id="{0B7FDB28-F1CD-4FD4-B20D-EB4C614401AF}" type="slidenum">
+            <a:fld id="{4C8C6AA8-6B41-46D5-90E6-B68D0286953F}" type="slidenum">
               <a:rPr lang="zh-CN" altLang="en-US" smtClean="0"/>
               <a:t>‹#›</a:t>
             </a:fld>
@@ -1873,7 +1873,7 @@
     </p:spTree>
     <p:extLst>
       <p:ext uri="{BB962C8B-B14F-4D97-AF65-F5344CB8AC3E}">
-        <p14:creationId xmlns:p14="http://schemas.microsoft.com/office/powerpoint/2010/main" val="2467994223"/>
+        <p14:creationId xmlns:p14="http://schemas.microsoft.com/office/powerpoint/2010/main" val="1498404365"/>
       </p:ext>
     </p:extLst>
   </p:cSld>
@@ -1905,7 +1905,7 @@
           <p:cNvPr id="2" name="标题 1">
             <a:extLst>
               <a:ext uri="{FF2B5EF4-FFF2-40B4-BE49-F238E27FC236}">
-                <a16:creationId xmlns:a16="http://schemas.microsoft.com/office/drawing/2014/main" id="{8287FA20-9207-CA4E-3949-25E9A112D0F8}"/>
+                <a16:creationId xmlns:a16="http://schemas.microsoft.com/office/drawing/2014/main" id="{760B9AF8-CBF6-85E2-7D67-B7A4355DB9A0}"/>
               </a:ext>
             </a:extLst>
           </p:cNvPr>
@@ -1933,7 +1933,7 @@
           <p:cNvPr id="3" name="日期占位符 2">
             <a:extLst>
               <a:ext uri="{FF2B5EF4-FFF2-40B4-BE49-F238E27FC236}">
-                <a16:creationId xmlns:a16="http://schemas.microsoft.com/office/drawing/2014/main" id="{449ABC28-8A57-9EFF-E441-E2FF933EB90B}"/>
+                <a16:creationId xmlns:a16="http://schemas.microsoft.com/office/drawing/2014/main" id="{5568C28C-456A-72CA-5547-82DD5F826817}"/>
               </a:ext>
             </a:extLst>
           </p:cNvPr>
@@ -1949,7 +1949,7 @@
           <a:bodyPr/>
           <a:lstStyle/>
           <a:p>
-            <a:fld id="{4AE629E0-D881-4C56-B0F2-448E1EC38A5F}" type="datetimeFigureOut">
+            <a:fld id="{F38E459A-4209-4724-B8D3-37599E1ADBAD}" type="datetimeFigureOut">
               <a:rPr lang="zh-CN" altLang="en-US" smtClean="0"/>
               <a:t>2024/3/10</a:t>
             </a:fld>
@@ -1962,7 +1962,7 @@
           <p:cNvPr id="4" name="页脚占位符 3">
             <a:extLst>
               <a:ext uri="{FF2B5EF4-FFF2-40B4-BE49-F238E27FC236}">
-                <a16:creationId xmlns:a16="http://schemas.microsoft.com/office/drawing/2014/main" id="{A3105418-8134-91F3-D162-5581AE35E791}"/>
+                <a16:creationId xmlns:a16="http://schemas.microsoft.com/office/drawing/2014/main" id="{27DF3F3D-5EB2-176E-6326-9DDA78C82DF6}"/>
               </a:ext>
             </a:extLst>
           </p:cNvPr>
@@ -1987,7 +1987,7 @@
           <p:cNvPr id="5" name="灯片编号占位符 4">
             <a:extLst>
               <a:ext uri="{FF2B5EF4-FFF2-40B4-BE49-F238E27FC236}">
-                <a16:creationId xmlns:a16="http://schemas.microsoft.com/office/drawing/2014/main" id="{E9256155-223E-1216-A5AC-386769347850}"/>
+                <a16:creationId xmlns:a16="http://schemas.microsoft.com/office/drawing/2014/main" id="{9C6D55FF-C257-25F6-27DD-40194B77762A}"/>
               </a:ext>
             </a:extLst>
           </p:cNvPr>
@@ -2003,7 +2003,7 @@
           <a:bodyPr/>
           <a:lstStyle/>
           <a:p>
-            <a:fld id="{0B7FDB28-F1CD-4FD4-B20D-EB4C614401AF}" type="slidenum">
+            <a:fld id="{4C8C6AA8-6B41-46D5-90E6-B68D0286953F}" type="slidenum">
               <a:rPr lang="zh-CN" altLang="en-US" smtClean="0"/>
               <a:t>‹#›</a:t>
             </a:fld>
@@ -2014,7 +2014,7 @@
     </p:spTree>
     <p:extLst>
       <p:ext uri="{BB962C8B-B14F-4D97-AF65-F5344CB8AC3E}">
-        <p14:creationId xmlns:p14="http://schemas.microsoft.com/office/powerpoint/2010/main" val="74488198"/>
+        <p14:creationId xmlns:p14="http://schemas.microsoft.com/office/powerpoint/2010/main" val="3061458129"/>
       </p:ext>
     </p:extLst>
   </p:cSld>
@@ -2046,7 +2046,7 @@
           <p:cNvPr id="2" name="日期占位符 1">
             <a:extLst>
               <a:ext uri="{FF2B5EF4-FFF2-40B4-BE49-F238E27FC236}">
-                <a16:creationId xmlns:a16="http://schemas.microsoft.com/office/drawing/2014/main" id="{3222FCA7-10BF-4F3A-0DA5-CB32C83C3F0E}"/>
+                <a16:creationId xmlns:a16="http://schemas.microsoft.com/office/drawing/2014/main" id="{FB77F3C5-DFA8-D2AE-7850-E7A67E59FB30}"/>
               </a:ext>
             </a:extLst>
           </p:cNvPr>
@@ -2062,7 +2062,7 @@
           <a:bodyPr/>
           <a:lstStyle/>
           <a:p>
-            <a:fld id="{4AE629E0-D881-4C56-B0F2-448E1EC38A5F}" type="datetimeFigureOut">
+            <a:fld id="{F38E459A-4209-4724-B8D3-37599E1ADBAD}" type="datetimeFigureOut">
               <a:rPr lang="zh-CN" altLang="en-US" smtClean="0"/>
               <a:t>2024/3/10</a:t>
             </a:fld>
@@ -2075,7 +2075,7 @@
           <p:cNvPr id="3" name="页脚占位符 2">
             <a:extLst>
               <a:ext uri="{FF2B5EF4-FFF2-40B4-BE49-F238E27FC236}">
-                <a16:creationId xmlns:a16="http://schemas.microsoft.com/office/drawing/2014/main" id="{08ADCD91-6CA7-F9AB-7F48-DBA45CAAB18C}"/>
+                <a16:creationId xmlns:a16="http://schemas.microsoft.com/office/drawing/2014/main" id="{AB5BB49F-C842-AA84-9BA9-47088F47FF91}"/>
               </a:ext>
             </a:extLst>
           </p:cNvPr>
@@ -2100,7 +2100,7 @@
           <p:cNvPr id="4" name="灯片编号占位符 3">
             <a:extLst>
               <a:ext uri="{FF2B5EF4-FFF2-40B4-BE49-F238E27FC236}">
-                <a16:creationId xmlns:a16="http://schemas.microsoft.com/office/drawing/2014/main" id="{B8EB95CC-D6AE-7A9C-AD86-8E6C81E410E9}"/>
+                <a16:creationId xmlns:a16="http://schemas.microsoft.com/office/drawing/2014/main" id="{806E0829-2E28-EF27-B742-B9C0C292F6EB}"/>
               </a:ext>
             </a:extLst>
           </p:cNvPr>
@@ -2116,7 +2116,7 @@
           <a:bodyPr/>
           <a:lstStyle/>
           <a:p>
-            <a:fld id="{0B7FDB28-F1CD-4FD4-B20D-EB4C614401AF}" type="slidenum">
+            <a:fld id="{4C8C6AA8-6B41-46D5-90E6-B68D0286953F}" type="slidenum">
               <a:rPr lang="zh-CN" altLang="en-US" smtClean="0"/>
               <a:t>‹#›</a:t>
             </a:fld>
@@ -2127,7 +2127,7 @@
     </p:spTree>
     <p:extLst>
       <p:ext uri="{BB962C8B-B14F-4D97-AF65-F5344CB8AC3E}">
-        <p14:creationId xmlns:p14="http://schemas.microsoft.com/office/powerpoint/2010/main" val="4091020111"/>
+        <p14:creationId xmlns:p14="http://schemas.microsoft.com/office/powerpoint/2010/main" val="3994117848"/>
       </p:ext>
     </p:extLst>
   </p:cSld>
@@ -2159,7 +2159,7 @@
           <p:cNvPr id="2" name="标题 1">
             <a:extLst>
               <a:ext uri="{FF2B5EF4-FFF2-40B4-BE49-F238E27FC236}">
-                <a16:creationId xmlns:a16="http://schemas.microsoft.com/office/drawing/2014/main" id="{7404FD1F-7B49-3258-9534-718CC8B5906A}"/>
+                <a16:creationId xmlns:a16="http://schemas.microsoft.com/office/drawing/2014/main" id="{717F85F3-900C-0CE5-0B95-4B41A31E395D}"/>
               </a:ext>
             </a:extLst>
           </p:cNvPr>
@@ -2196,7 +2196,7 @@
           <p:cNvPr id="3" name="内容占位符 2">
             <a:extLst>
               <a:ext uri="{FF2B5EF4-FFF2-40B4-BE49-F238E27FC236}">
-                <a16:creationId xmlns:a16="http://schemas.microsoft.com/office/drawing/2014/main" id="{BF9CE746-E888-1328-27BD-2062D9CDAD75}"/>
+                <a16:creationId xmlns:a16="http://schemas.microsoft.com/office/drawing/2014/main" id="{0BDEDA6A-1C9C-859B-D63E-FAF656DEC4A0}"/>
               </a:ext>
             </a:extLst>
           </p:cNvPr>
@@ -2286,7 +2286,7 @@
           <p:cNvPr id="4" name="文本占位符 3">
             <a:extLst>
               <a:ext uri="{FF2B5EF4-FFF2-40B4-BE49-F238E27FC236}">
-                <a16:creationId xmlns:a16="http://schemas.microsoft.com/office/drawing/2014/main" id="{F92A6A8D-C856-F3F6-FB55-4EC1FD6AB7E9}"/>
+                <a16:creationId xmlns:a16="http://schemas.microsoft.com/office/drawing/2014/main" id="{0700E821-C884-1531-9E71-E29D3AD8BD11}"/>
               </a:ext>
             </a:extLst>
           </p:cNvPr>
@@ -2357,7 +2357,7 @@
           <p:cNvPr id="5" name="日期占位符 4">
             <a:extLst>
               <a:ext uri="{FF2B5EF4-FFF2-40B4-BE49-F238E27FC236}">
-                <a16:creationId xmlns:a16="http://schemas.microsoft.com/office/drawing/2014/main" id="{981EAA53-7785-7ABA-6DE1-EFAEF605C895}"/>
+                <a16:creationId xmlns:a16="http://schemas.microsoft.com/office/drawing/2014/main" id="{887C677D-85B6-131B-0F04-E0C248BFFC29}"/>
               </a:ext>
             </a:extLst>
           </p:cNvPr>
@@ -2373,7 +2373,7 @@
           <a:bodyPr/>
           <a:lstStyle/>
           <a:p>
-            <a:fld id="{4AE629E0-D881-4C56-B0F2-448E1EC38A5F}" type="datetimeFigureOut">
+            <a:fld id="{F38E459A-4209-4724-B8D3-37599E1ADBAD}" type="datetimeFigureOut">
               <a:rPr lang="zh-CN" altLang="en-US" smtClean="0"/>
               <a:t>2024/3/10</a:t>
             </a:fld>
@@ -2386,7 +2386,7 @@
           <p:cNvPr id="6" name="页脚占位符 5">
             <a:extLst>
               <a:ext uri="{FF2B5EF4-FFF2-40B4-BE49-F238E27FC236}">
-                <a16:creationId xmlns:a16="http://schemas.microsoft.com/office/drawing/2014/main" id="{87790E6A-0D3E-69AC-6020-3814E2CCAB21}"/>
+                <a16:creationId xmlns:a16="http://schemas.microsoft.com/office/drawing/2014/main" id="{21CB6B06-1D1C-28F6-D97F-D5BE6B2B6DBB}"/>
               </a:ext>
             </a:extLst>
           </p:cNvPr>
@@ -2411,7 +2411,7 @@
           <p:cNvPr id="7" name="灯片编号占位符 6">
             <a:extLst>
               <a:ext uri="{FF2B5EF4-FFF2-40B4-BE49-F238E27FC236}">
-                <a16:creationId xmlns:a16="http://schemas.microsoft.com/office/drawing/2014/main" id="{723DB2DA-7A25-C6EE-04A1-E5AD1EE9BA51}"/>
+                <a16:creationId xmlns:a16="http://schemas.microsoft.com/office/drawing/2014/main" id="{FA078E3D-A40D-8537-B0EB-51369CA628C9}"/>
               </a:ext>
             </a:extLst>
           </p:cNvPr>
@@ -2427,7 +2427,7 @@
           <a:bodyPr/>
           <a:lstStyle/>
           <a:p>
-            <a:fld id="{0B7FDB28-F1CD-4FD4-B20D-EB4C614401AF}" type="slidenum">
+            <a:fld id="{4C8C6AA8-6B41-46D5-90E6-B68D0286953F}" type="slidenum">
               <a:rPr lang="zh-CN" altLang="en-US" smtClean="0"/>
               <a:t>‹#›</a:t>
             </a:fld>
@@ -2438,7 +2438,7 @@
     </p:spTree>
     <p:extLst>
       <p:ext uri="{BB962C8B-B14F-4D97-AF65-F5344CB8AC3E}">
-        <p14:creationId xmlns:p14="http://schemas.microsoft.com/office/powerpoint/2010/main" val="1658878128"/>
+        <p14:creationId xmlns:p14="http://schemas.microsoft.com/office/powerpoint/2010/main" val="3842476599"/>
       </p:ext>
     </p:extLst>
   </p:cSld>
@@ -2470,7 +2470,7 @@
           <p:cNvPr id="2" name="标题 1">
             <a:extLst>
               <a:ext uri="{FF2B5EF4-FFF2-40B4-BE49-F238E27FC236}">
-                <a16:creationId xmlns:a16="http://schemas.microsoft.com/office/drawing/2014/main" id="{91988E1D-DA10-AB4B-5C1F-07994656EACC}"/>
+                <a16:creationId xmlns:a16="http://schemas.microsoft.com/office/drawing/2014/main" id="{7495396E-2CD4-9DD6-D386-4789A799E968}"/>
               </a:ext>
             </a:extLst>
           </p:cNvPr>
@@ -2507,7 +2507,7 @@
           <p:cNvPr id="3" name="图片占位符 2">
             <a:extLst>
               <a:ext uri="{FF2B5EF4-FFF2-40B4-BE49-F238E27FC236}">
-                <a16:creationId xmlns:a16="http://schemas.microsoft.com/office/drawing/2014/main" id="{DC8B3AC8-E80D-E5F3-1FAE-0BCDFD23A18F}"/>
+                <a16:creationId xmlns:a16="http://schemas.microsoft.com/office/drawing/2014/main" id="{F4A7BF00-753A-C0AE-7002-BAB8CB5C4636}"/>
               </a:ext>
             </a:extLst>
           </p:cNvPr>
@@ -2574,7 +2574,7 @@
           <p:cNvPr id="4" name="文本占位符 3">
             <a:extLst>
               <a:ext uri="{FF2B5EF4-FFF2-40B4-BE49-F238E27FC236}">
-                <a16:creationId xmlns:a16="http://schemas.microsoft.com/office/drawing/2014/main" id="{486DFA20-4F9F-91A2-F5CD-B4DCEEFFB576}"/>
+                <a16:creationId xmlns:a16="http://schemas.microsoft.com/office/drawing/2014/main" id="{1738B0B8-01BE-E65C-EF2B-0B4490004DAF}"/>
               </a:ext>
             </a:extLst>
           </p:cNvPr>
@@ -2645,7 +2645,7 @@
           <p:cNvPr id="5" name="日期占位符 4">
             <a:extLst>
               <a:ext uri="{FF2B5EF4-FFF2-40B4-BE49-F238E27FC236}">
-                <a16:creationId xmlns:a16="http://schemas.microsoft.com/office/drawing/2014/main" id="{45F8E910-12E1-2442-CBC5-3C20768A9F28}"/>
+                <a16:creationId xmlns:a16="http://schemas.microsoft.com/office/drawing/2014/main" id="{02F2C347-11CA-9DDB-8B8E-DCBDEB48544F}"/>
               </a:ext>
             </a:extLst>
           </p:cNvPr>
@@ -2661,7 +2661,7 @@
           <a:bodyPr/>
           <a:lstStyle/>
           <a:p>
-            <a:fld id="{4AE629E0-D881-4C56-B0F2-448E1EC38A5F}" type="datetimeFigureOut">
+            <a:fld id="{F38E459A-4209-4724-B8D3-37599E1ADBAD}" type="datetimeFigureOut">
               <a:rPr lang="zh-CN" altLang="en-US" smtClean="0"/>
               <a:t>2024/3/10</a:t>
             </a:fld>
@@ -2674,7 +2674,7 @@
           <p:cNvPr id="6" name="页脚占位符 5">
             <a:extLst>
               <a:ext uri="{FF2B5EF4-FFF2-40B4-BE49-F238E27FC236}">
-                <a16:creationId xmlns:a16="http://schemas.microsoft.com/office/drawing/2014/main" id="{99322264-D594-75BF-CED4-8B3041D96BB2}"/>
+                <a16:creationId xmlns:a16="http://schemas.microsoft.com/office/drawing/2014/main" id="{9F09C7A7-FE21-28E4-557F-2E064150A39F}"/>
               </a:ext>
             </a:extLst>
           </p:cNvPr>
@@ -2699,7 +2699,7 @@
           <p:cNvPr id="7" name="灯片编号占位符 6">
             <a:extLst>
               <a:ext uri="{FF2B5EF4-FFF2-40B4-BE49-F238E27FC236}">
-                <a16:creationId xmlns:a16="http://schemas.microsoft.com/office/drawing/2014/main" id="{4A3B2A79-E55B-950B-08CF-56B9C4AB0DE0}"/>
+                <a16:creationId xmlns:a16="http://schemas.microsoft.com/office/drawing/2014/main" id="{0AB76B7E-8932-9C65-5292-4765662AB64E}"/>
               </a:ext>
             </a:extLst>
           </p:cNvPr>
@@ -2715,7 +2715,7 @@
           <a:bodyPr/>
           <a:lstStyle/>
           <a:p>
-            <a:fld id="{0B7FDB28-F1CD-4FD4-B20D-EB4C614401AF}" type="slidenum">
+            <a:fld id="{4C8C6AA8-6B41-46D5-90E6-B68D0286953F}" type="slidenum">
               <a:rPr lang="zh-CN" altLang="en-US" smtClean="0"/>
               <a:t>‹#›</a:t>
             </a:fld>
@@ -2726,7 +2726,7 @@
     </p:spTree>
     <p:extLst>
       <p:ext uri="{BB962C8B-B14F-4D97-AF65-F5344CB8AC3E}">
-        <p14:creationId xmlns:p14="http://schemas.microsoft.com/office/powerpoint/2010/main" val="2392604930"/>
+        <p14:creationId xmlns:p14="http://schemas.microsoft.com/office/powerpoint/2010/main" val="972294509"/>
       </p:ext>
     </p:extLst>
   </p:cSld>
@@ -2763,7 +2763,7 @@
           <p:cNvPr id="2" name="标题占位符 1">
             <a:extLst>
               <a:ext uri="{FF2B5EF4-FFF2-40B4-BE49-F238E27FC236}">
-                <a16:creationId xmlns:a16="http://schemas.microsoft.com/office/drawing/2014/main" id="{FF91F469-7F37-9B26-2C53-0BA0430A9B01}"/>
+                <a16:creationId xmlns:a16="http://schemas.microsoft.com/office/drawing/2014/main" id="{F1ED782E-052C-68BA-C1F5-052EF7A36BB1}"/>
               </a:ext>
             </a:extLst>
           </p:cNvPr>
@@ -2801,7 +2801,7 @@
           <p:cNvPr id="3" name="文本占位符 2">
             <a:extLst>
               <a:ext uri="{FF2B5EF4-FFF2-40B4-BE49-F238E27FC236}">
-                <a16:creationId xmlns:a16="http://schemas.microsoft.com/office/drawing/2014/main" id="{60940EC6-889B-8FF4-FE7B-611CDF0C112E}"/>
+                <a16:creationId xmlns:a16="http://schemas.microsoft.com/office/drawing/2014/main" id="{1AAFE3AC-D41F-9CEA-3434-12F01CDB422E}"/>
               </a:ext>
             </a:extLst>
           </p:cNvPr>
@@ -2868,7 +2868,7 @@
           <p:cNvPr id="4" name="日期占位符 3">
             <a:extLst>
               <a:ext uri="{FF2B5EF4-FFF2-40B4-BE49-F238E27FC236}">
-                <a16:creationId xmlns:a16="http://schemas.microsoft.com/office/drawing/2014/main" id="{1DFFDBB5-51F2-DE22-664D-7505377F2C0E}"/>
+                <a16:creationId xmlns:a16="http://schemas.microsoft.com/office/drawing/2014/main" id="{559527DF-23BF-7432-442F-277C50A90B08}"/>
               </a:ext>
             </a:extLst>
           </p:cNvPr>
@@ -2902,7 +2902,7 @@
             </a:lvl1pPr>
           </a:lstStyle>
           <a:p>
-            <a:fld id="{4AE629E0-D881-4C56-B0F2-448E1EC38A5F}" type="datetimeFigureOut">
+            <a:fld id="{F38E459A-4209-4724-B8D3-37599E1ADBAD}" type="datetimeFigureOut">
               <a:rPr lang="zh-CN" altLang="en-US" smtClean="0"/>
               <a:t>2024/3/10</a:t>
             </a:fld>
@@ -2915,7 +2915,7 @@
           <p:cNvPr id="5" name="页脚占位符 4">
             <a:extLst>
               <a:ext uri="{FF2B5EF4-FFF2-40B4-BE49-F238E27FC236}">
-                <a16:creationId xmlns:a16="http://schemas.microsoft.com/office/drawing/2014/main" id="{F0CBD0CC-5B1D-CC4D-EE3C-C3A5818CF77D}"/>
+                <a16:creationId xmlns:a16="http://schemas.microsoft.com/office/drawing/2014/main" id="{E92F8D36-EAC5-73FA-ADC2-F15ABF919AFB}"/>
               </a:ext>
             </a:extLst>
           </p:cNvPr>
@@ -2958,7 +2958,7 @@
           <p:cNvPr id="6" name="灯片编号占位符 5">
             <a:extLst>
               <a:ext uri="{FF2B5EF4-FFF2-40B4-BE49-F238E27FC236}">
-                <a16:creationId xmlns:a16="http://schemas.microsoft.com/office/drawing/2014/main" id="{1A60E40D-A742-150F-95CB-9EB10F5E9292}"/>
+                <a16:creationId xmlns:a16="http://schemas.microsoft.com/office/drawing/2014/main" id="{AED0AC89-CCE9-4CC7-39C2-007B7CBE19AA}"/>
               </a:ext>
             </a:extLst>
           </p:cNvPr>
@@ -2992,7 +2992,7 @@
             </a:lvl1pPr>
           </a:lstStyle>
           <a:p>
-            <a:fld id="{0B7FDB28-F1CD-4FD4-B20D-EB4C614401AF}" type="slidenum">
+            <a:fld id="{4C8C6AA8-6B41-46D5-90E6-B68D0286953F}" type="slidenum">
               <a:rPr lang="zh-CN" altLang="en-US" smtClean="0"/>
               <a:t>‹#›</a:t>
             </a:fld>
@@ -3003,7 +3003,7 @@
     </p:spTree>
     <p:extLst>
       <p:ext uri="{BB962C8B-B14F-4D97-AF65-F5344CB8AC3E}">
-        <p14:creationId xmlns:p14="http://schemas.microsoft.com/office/powerpoint/2010/main" val="24830665"/>
+        <p14:creationId xmlns:p14="http://schemas.microsoft.com/office/powerpoint/2010/main" val="25256803"/>
       </p:ext>
     </p:extLst>
   </p:cSld>
@@ -3323,7 +3323,7 @@
       </p:grpSpPr>
       <p:pic>
         <p:nvPicPr>
-          <p:cNvPr id="1370114" name="Picture 2" descr="1337"/>
+          <p:cNvPr id="1371138" name="Picture 2" descr="1338"/>
           <p:cNvPicPr>
             <a:picLocks noChangeAspect="1" noChangeArrowheads="1"/>
           </p:cNvPicPr>
@@ -3344,8 +3344,8 @@
         </p:blipFill>
         <p:spPr bwMode="auto">
           <a:xfrm>
-            <a:off x="1524000" y="0"/>
-            <a:ext cx="9144000" cy="6858000"/>
+            <a:off x="1524000" y="1"/>
+            <a:ext cx="9144000" cy="4365625"/>
           </a:xfrm>
           <a:prstGeom prst="rect">
             <a:avLst/>
@@ -3375,158 +3375,11 @@
           </a:extLst>
         </p:spPr>
       </p:pic>
-      <p:pic>
-        <p:nvPicPr>
-          <p:cNvPr id="1371139" name="Picture 3" descr="1337-2"/>
-          <p:cNvPicPr>
-            <a:picLocks noChangeAspect="1" noChangeArrowheads="1"/>
-          </p:cNvPicPr>
-          <p:nvPr/>
-        </p:nvPicPr>
-        <p:blipFill>
-          <a:blip r:embed="rId3">
-            <a:extLst>
-              <a:ext uri="{28A0092B-C50C-407E-A947-70E740481C1C}">
-                <a14:useLocalDpi xmlns:a14="http://schemas.microsoft.com/office/drawing/2010/main" val="0"/>
-              </a:ext>
-            </a:extLst>
-          </a:blip>
-          <a:srcRect/>
-          <a:stretch>
-            <a:fillRect/>
-          </a:stretch>
-        </p:blipFill>
-        <p:spPr bwMode="auto">
-          <a:xfrm>
-            <a:off x="1501776" y="0"/>
-            <a:ext cx="9166225" cy="6858000"/>
-          </a:xfrm>
-          <a:prstGeom prst="rect">
-            <a:avLst/>
-          </a:prstGeom>
-          <a:noFill/>
-          <a:ln>
-            <a:noFill/>
-          </a:ln>
-          <a:effectLst/>
-          <a:extLst>
-            <a:ext uri="{909E8E84-426E-40DD-AFC4-6F175D3DCCD1}">
-              <a14:hiddenFill xmlns:a14="http://schemas.microsoft.com/office/drawing/2010/main">
-                <a:solidFill>
-                  <a:srgbClr val="FFFFFF"/>
-                </a:solidFill>
-              </a14:hiddenFill>
-            </a:ext>
-            <a:ext uri="{91240B29-F687-4F45-9708-019B960494DF}">
-              <a14:hiddenLine xmlns:a14="http://schemas.microsoft.com/office/drawing/2010/main" w="9525">
-                <a:solidFill>
-                  <a:srgbClr val="000000"/>
-                </a:solidFill>
-                <a:miter lim="800000"/>
-                <a:headEnd/>
-                <a:tailEnd/>
-              </a14:hiddenLine>
-            </a:ext>
-            <a:ext uri="{AF507438-7753-43E0-B8FC-AC1667EBCBE1}">
-              <a14:hiddenEffects xmlns:a14="http://schemas.microsoft.com/office/drawing/2010/main">
-                <a:effectLst>
-                  <a:outerShdw dist="35921" dir="2700000" algn="ctr" rotWithShape="0">
-                    <a:srgbClr val="808080"/>
-                  </a:outerShdw>
-                </a:effectLst>
-              </a14:hiddenEffects>
-            </a:ext>
-          </a:extLst>
-        </p:spPr>
-      </p:pic>
     </p:spTree>
   </p:cSld>
   <p:clrMapOvr>
     <a:masterClrMapping/>
   </p:clrMapOvr>
-  <p:timing>
-    <p:tnLst>
-      <p:par>
-        <p:cTn id="1" dur="indefinite" restart="never" nodeType="tmRoot">
-          <p:childTnLst>
-            <p:seq concurrent="1" nextAc="seek">
-              <p:cTn id="2" dur="indefinite" nodeType="mainSeq">
-                <p:childTnLst>
-                  <p:par>
-                    <p:cTn id="3" fill="hold" nodeType="clickPar">
-                      <p:stCondLst>
-                        <p:cond delay="indefinite"/>
-                      </p:stCondLst>
-                      <p:childTnLst>
-                        <p:par>
-                          <p:cTn id="4" fill="hold" nodeType="withGroup">
-                            <p:stCondLst>
-                              <p:cond delay="0"/>
-                            </p:stCondLst>
-                            <p:childTnLst>
-                              <p:par>
-                                <p:cTn id="5" presetID="10" presetClass="entr" presetSubtype="0" fill="hold" nodeType="clickEffect">
-                                  <p:stCondLst>
-                                    <p:cond delay="0"/>
-                                  </p:stCondLst>
-                                  <p:childTnLst>
-                                    <p:set>
-                                      <p:cBhvr>
-                                        <p:cTn id="6" dur="1" fill="hold">
-                                          <p:stCondLst>
-                                            <p:cond delay="0"/>
-                                          </p:stCondLst>
-                                        </p:cTn>
-                                        <p:tgtEl>
-                                          <p:spTgt spid="1371139"/>
-                                        </p:tgtEl>
-                                        <p:attrNameLst>
-                                          <p:attrName>style.visibility</p:attrName>
-                                        </p:attrNameLst>
-                                      </p:cBhvr>
-                                      <p:to>
-                                        <p:strVal val="visible"/>
-                                      </p:to>
-                                    </p:set>
-                                    <p:animEffect transition="in" filter="fade">
-                                      <p:cBhvr>
-                                        <p:cTn id="7" dur="500"/>
-                                        <p:tgtEl>
-                                          <p:spTgt spid="1371139"/>
-                                        </p:tgtEl>
-                                      </p:cBhvr>
-                                    </p:animEffect>
-                                  </p:childTnLst>
-                                </p:cTn>
-                              </p:par>
-                            </p:childTnLst>
-                          </p:cTn>
-                        </p:par>
-                      </p:childTnLst>
-                    </p:cTn>
-                  </p:par>
-                </p:childTnLst>
-              </p:cTn>
-              <p:prevCondLst>
-                <p:cond evt="onPrev" delay="0">
-                  <p:tgtEl>
-                    <p:sldTgt/>
-                  </p:tgtEl>
-                </p:cond>
-              </p:prevCondLst>
-              <p:nextCondLst>
-                <p:cond evt="onNext" delay="0">
-                  <p:tgtEl>
-                    <p:sldTgt/>
-                  </p:tgtEl>
-                </p:cond>
-              </p:nextCondLst>
-            </p:seq>
-          </p:childTnLst>
-        </p:cTn>
-      </p:par>
-    </p:tnLst>
-  </p:timing>
 </p:sld>
 </file>
 
